--- a/docs/diagrams/InitialiseActivityDiagram.pptx
+++ b/docs/diagrams/InitialiseActivityDiagram.pptx
@@ -3559,7 +3559,7 @@
         </p:nvSpPr>
         <p:spPr>
           <a:xfrm>
-            <a:off x="4375534" y="2720366"/>
+            <a:off x="4340007" y="2399857"/>
             <a:ext cx="702263" cy="369460"/>
           </a:xfrm>
           <a:prstGeom prst="rect">
@@ -3742,8 +3742,8 @@
         </p:nvCxnSpPr>
         <p:spPr>
           <a:xfrm>
-            <a:off x="8892949" y="2729205"/>
-            <a:ext cx="955863" cy="3897"/>
+            <a:off x="8813028" y="2729205"/>
+            <a:ext cx="1035784" cy="3897"/>
           </a:xfrm>
           <a:prstGeom prst="straightConnector1">
             <a:avLst/>
@@ -3790,7 +3790,7 @@
           </a:xfrm>
           <a:prstGeom prst="bentConnector3">
             <a:avLst>
-              <a:gd name="adj1" fmla="val 343812"/>
+              <a:gd name="adj1" fmla="val 248368"/>
             </a:avLst>
           </a:prstGeom>
           <a:ln>
@@ -3826,7 +3826,7 @@
         </p:nvSpPr>
         <p:spPr>
           <a:xfrm>
-            <a:off x="1929325" y="1090366"/>
+            <a:off x="1888941" y="1524519"/>
             <a:ext cx="3191493" cy="369460"/>
           </a:xfrm>
           <a:prstGeom prst="rect">
@@ -3871,8 +3871,8 @@
         </p:nvSpPr>
         <p:spPr>
           <a:xfrm>
-            <a:off x="8773639" y="1090923"/>
-            <a:ext cx="2201380" cy="646587"/>
+            <a:off x="8069518" y="1435473"/>
+            <a:ext cx="3579218" cy="369460"/>
           </a:xfrm>
           <a:prstGeom prst="rect">
             <a:avLst/>
@@ -3910,12 +3910,12 @@
         </p:nvCxnSpPr>
         <p:spPr>
           <a:xfrm rot="16200000" flipH="1">
-            <a:off x="9751869" y="1389519"/>
-            <a:ext cx="3896" cy="2202502"/>
+            <a:off x="9711908" y="1349559"/>
+            <a:ext cx="3896" cy="2282423"/>
           </a:xfrm>
           <a:prstGeom prst="bentConnector3">
             <a:avLst>
-              <a:gd name="adj1" fmla="val -16884215"/>
+              <a:gd name="adj1" fmla="val -16038039"/>
             </a:avLst>
           </a:prstGeom>
           <a:ln>
@@ -3951,7 +3951,7 @@
         </p:nvSpPr>
         <p:spPr>
           <a:xfrm>
-            <a:off x="8412183" y="2488822"/>
+            <a:off x="8332262" y="2488822"/>
             <a:ext cx="480766" cy="480766"/>
           </a:xfrm>
           <a:prstGeom prst="diamond">
@@ -4005,7 +4005,7 @@
         <p:spPr>
           <a:xfrm>
             <a:off x="8069518" y="2729205"/>
-            <a:ext cx="342665" cy="0"/>
+            <a:ext cx="262744" cy="0"/>
           </a:xfrm>
           <a:prstGeom prst="straightConnector1">
             <a:avLst/>
@@ -4217,7 +4217,7 @@
         </p:nvSpPr>
         <p:spPr>
           <a:xfrm>
-            <a:off x="8763337" y="2291450"/>
+            <a:off x="8682141" y="2385416"/>
             <a:ext cx="1268031" cy="369460"/>
           </a:xfrm>
           <a:prstGeom prst="rect">
@@ -4479,12 +4479,12 @@
         </p:nvCxnSpPr>
         <p:spPr>
           <a:xfrm rot="5400000">
-            <a:off x="6376095" y="693117"/>
-            <a:ext cx="12700" cy="4552942"/>
+            <a:off x="6336135" y="733078"/>
+            <a:ext cx="12700" cy="4473021"/>
           </a:xfrm>
           <a:prstGeom prst="bentConnector3">
             <a:avLst>
-              <a:gd name="adj1" fmla="val 5620409"/>
+              <a:gd name="adj1" fmla="val 5760000"/>
             </a:avLst>
           </a:prstGeom>
           <a:ln>
@@ -4520,7 +4520,7 @@
         </p:nvSpPr>
         <p:spPr>
           <a:xfrm>
-            <a:off x="6171600" y="3312423"/>
+            <a:off x="6127103" y="3318773"/>
             <a:ext cx="702263" cy="369460"/>
           </a:xfrm>
           <a:prstGeom prst="rect">
